--- a/reports/summary.pptx
+++ b/reports/summary.pptx
@@ -4091,10 +4091,10 @@
       </p:grpSpPr>
       <p:pic>
         <p:nvPicPr>
-          <p:cNvPr id="5" name="Picture 4">
-            <a:extLst>
-              <a:ext uri="{FF2B5EF4-FFF2-40B4-BE49-F238E27FC236}">
-                <a16:creationId xmlns:a16="http://schemas.microsoft.com/office/drawing/2014/main" id="{253E5B9A-8AEC-8C41-B656-21E09CC2A733}"/>
+          <p:cNvPr id="7" name="Picture 6">
+            <a:extLst>
+              <a:ext uri="{FF2B5EF4-FFF2-40B4-BE49-F238E27FC236}">
+                <a16:creationId xmlns:a16="http://schemas.microsoft.com/office/drawing/2014/main" id="{FF1DB68A-551D-104D-B68A-81CF39333159}"/>
               </a:ext>
             </a:extLst>
           </p:cNvPr>
@@ -4105,36 +4105,6 @@
         </p:nvPicPr>
         <p:blipFill>
           <a:blip r:embed="rId3"/>
-          <a:stretch>
-            <a:fillRect/>
-          </a:stretch>
-        </p:blipFill>
-        <p:spPr>
-          <a:xfrm>
-            <a:off x="4259589" y="3542045"/>
-            <a:ext cx="3206217" cy="3108960"/>
-          </a:xfrm>
-          <a:prstGeom prst="rect">
-            <a:avLst/>
-          </a:prstGeom>
-        </p:spPr>
-      </p:pic>
-      <p:pic>
-        <p:nvPicPr>
-          <p:cNvPr id="7" name="Picture 6">
-            <a:extLst>
-              <a:ext uri="{FF2B5EF4-FFF2-40B4-BE49-F238E27FC236}">
-                <a16:creationId xmlns:a16="http://schemas.microsoft.com/office/drawing/2014/main" id="{FF1DB68A-551D-104D-B68A-81CF39333159}"/>
-              </a:ext>
-            </a:extLst>
-          </p:cNvPr>
-          <p:cNvPicPr>
-            <a:picLocks noChangeAspect="1"/>
-          </p:cNvPicPr>
-          <p:nvPr/>
-        </p:nvPicPr>
-        <p:blipFill>
-          <a:blip r:embed="rId4"/>
           <a:stretch>
             <a:fillRect/>
           </a:stretch>
@@ -4164,7 +4134,7 @@
           <p:nvPr/>
         </p:nvPicPr>
         <p:blipFill>
-          <a:blip r:embed="rId5"/>
+          <a:blip r:embed="rId4"/>
           <a:stretch>
             <a:fillRect/>
           </a:stretch>
@@ -4194,7 +4164,7 @@
           <p:nvPr/>
         </p:nvPicPr>
         <p:blipFill>
-          <a:blip r:embed="rId6"/>
+          <a:blip r:embed="rId5"/>
           <a:stretch>
             <a:fillRect/>
           </a:stretch>
@@ -4224,7 +4194,7 @@
           <p:nvPr/>
         </p:nvPicPr>
         <p:blipFill>
-          <a:blip r:embed="rId7"/>
+          <a:blip r:embed="rId6"/>
           <a:stretch>
             <a:fillRect/>
           </a:stretch>
@@ -4254,7 +4224,7 @@
           <p:nvPr/>
         </p:nvPicPr>
         <p:blipFill>
-          <a:blip r:embed="rId8"/>
+          <a:blip r:embed="rId7"/>
           <a:stretch>
             <a:fillRect/>
           </a:stretch>
@@ -4284,7 +4254,7 @@
           <p:nvPr/>
         </p:nvPicPr>
         <p:blipFill>
-          <a:blip r:embed="rId9"/>
+          <a:blip r:embed="rId8"/>
           <a:stretch>
             <a:fillRect/>
           </a:stretch>
@@ -4299,6 +4269,127 @@
           </a:prstGeom>
         </p:spPr>
       </p:pic>
+      <p:grpSp>
+        <p:nvGrpSpPr>
+          <p:cNvPr id="24" name="Group 23">
+            <a:extLst>
+              <a:ext uri="{FF2B5EF4-FFF2-40B4-BE49-F238E27FC236}">
+                <a16:creationId xmlns:a16="http://schemas.microsoft.com/office/drawing/2014/main" id="{F896F2F5-4B0B-4046-9C42-B02EADAF21E0}"/>
+              </a:ext>
+            </a:extLst>
+          </p:cNvPr>
+          <p:cNvGrpSpPr/>
+          <p:nvPr/>
+        </p:nvGrpSpPr>
+        <p:grpSpPr>
+          <a:xfrm>
+            <a:off x="4259589" y="3542045"/>
+            <a:ext cx="3206217" cy="3108960"/>
+            <a:chOff x="4259589" y="3542045"/>
+            <a:chExt cx="3206217" cy="3108960"/>
+          </a:xfrm>
+        </p:grpSpPr>
+        <p:pic>
+          <p:nvPicPr>
+            <p:cNvPr id="5" name="Picture 4">
+              <a:extLst>
+                <a:ext uri="{FF2B5EF4-FFF2-40B4-BE49-F238E27FC236}">
+                  <a16:creationId xmlns:a16="http://schemas.microsoft.com/office/drawing/2014/main" id="{253E5B9A-8AEC-8C41-B656-21E09CC2A733}"/>
+                </a:ext>
+              </a:extLst>
+            </p:cNvPr>
+            <p:cNvPicPr>
+              <a:picLocks noChangeAspect="1"/>
+            </p:cNvPicPr>
+            <p:nvPr/>
+          </p:nvPicPr>
+          <p:blipFill>
+            <a:blip r:embed="rId9"/>
+            <a:stretch>
+              <a:fillRect/>
+            </a:stretch>
+          </p:blipFill>
+          <p:spPr>
+            <a:xfrm>
+              <a:off x="4259589" y="3542045"/>
+              <a:ext cx="3206217" cy="3108960"/>
+            </a:xfrm>
+            <a:prstGeom prst="rect">
+              <a:avLst/>
+            </a:prstGeom>
+          </p:spPr>
+        </p:pic>
+        <p:sp>
+          <p:nvSpPr>
+            <p:cNvPr id="23" name="TextBox 22">
+              <a:extLst>
+                <a:ext uri="{FF2B5EF4-FFF2-40B4-BE49-F238E27FC236}">
+                  <a16:creationId xmlns:a16="http://schemas.microsoft.com/office/drawing/2014/main" id="{D2364CA8-6231-1A43-A2A5-1818197025E5}"/>
+                </a:ext>
+              </a:extLst>
+            </p:cNvPr>
+            <p:cNvSpPr txBox="1"/>
+            <p:nvPr/>
+          </p:nvSpPr>
+          <p:spPr>
+            <a:xfrm>
+              <a:off x="5812556" y="4863609"/>
+              <a:ext cx="235962" cy="215444"/>
+            </a:xfrm>
+            <a:prstGeom prst="rect">
+              <a:avLst/>
+            </a:prstGeom>
+            <a:noFill/>
+          </p:spPr>
+          <p:txBody>
+            <a:bodyPr wrap="none" rtlCol="0">
+              <a:spAutoFit/>
+            </a:bodyPr>
+            <a:lstStyle/>
+            <a:p>
+              <a:r>
+                <a:rPr lang="en-US" sz="800" dirty="0"/>
+                <a:t>*</a:t>
+              </a:r>
+            </a:p>
+          </p:txBody>
+        </p:sp>
+      </p:grpSp>
+      <p:sp>
+        <p:nvSpPr>
+          <p:cNvPr id="25" name="TextBox 24">
+            <a:extLst>
+              <a:ext uri="{FF2B5EF4-FFF2-40B4-BE49-F238E27FC236}">
+                <a16:creationId xmlns:a16="http://schemas.microsoft.com/office/drawing/2014/main" id="{CF2AA77E-125F-8B49-9727-47353840D558}"/>
+              </a:ext>
+            </a:extLst>
+          </p:cNvPr>
+          <p:cNvSpPr txBox="1"/>
+          <p:nvPr/>
+        </p:nvSpPr>
+        <p:spPr>
+          <a:xfrm>
+            <a:off x="5738182" y="6611779"/>
+            <a:ext cx="1252266" cy="246221"/>
+          </a:xfrm>
+          <a:prstGeom prst="rect">
+            <a:avLst/>
+          </a:prstGeom>
+          <a:noFill/>
+        </p:spPr>
+        <p:txBody>
+          <a:bodyPr wrap="none" rtlCol="0">
+            <a:spAutoFit/>
+          </a:bodyPr>
+          <a:lstStyle/>
+          <a:p>
+            <a:r>
+              <a:rPr lang="en-US" sz="1000" dirty="0"/>
+              <a:t>* 17 paired  samples</a:t>
+            </a:r>
+          </a:p>
+        </p:txBody>
+      </p:sp>
     </p:spTree>
     <p:extLst>
       <p:ext uri="{BB962C8B-B14F-4D97-AF65-F5344CB8AC3E}">
